--- a/week9/movies/Presentation1.pptx
+++ b/week9/movies/Presentation1.pptx
@@ -22,6 +22,8 @@
     <p:sldId id="267" r:id="rId16"/>
     <p:sldId id="271" r:id="rId17"/>
     <p:sldId id="276" r:id="rId18"/>
+    <p:sldId id="287" r:id="rId19"/>
+    <p:sldId id="288" r:id="rId20"/>
   </p:sldIdLst>
   <p:sldSz cx="12192000" cy="6858000"/>
   <p:notesSz cx="6858000" cy="9144000"/>
@@ -267,7 +269,7 @@
           <a:p>
             <a:fld id="{48A87A34-81AB-432B-8DAE-1953F412C126}" type="datetimeFigureOut">
               <a:rPr lang="en-US" dirty="0"/>
-              <a:t>4/12/16</a:t>
+              <a:t>4/29/16</a:t>
             </a:fld>
             <a:endParaRPr lang="en-US" dirty="0"/>
           </a:p>
@@ -473,7 +475,7 @@
           <a:p>
             <a:fld id="{48A87A34-81AB-432B-8DAE-1953F412C126}" type="datetimeFigureOut">
               <a:rPr lang="en-US" dirty="0"/>
-              <a:t>4/12/16</a:t>
+              <a:t>4/29/16</a:t>
             </a:fld>
             <a:endParaRPr lang="en-US" dirty="0"/>
           </a:p>
@@ -683,7 +685,7 @@
           <a:p>
             <a:fld id="{48A87A34-81AB-432B-8DAE-1953F412C126}" type="datetimeFigureOut">
               <a:rPr lang="en-US" dirty="0"/>
-              <a:t>4/12/16</a:t>
+              <a:t>4/29/16</a:t>
             </a:fld>
             <a:endParaRPr lang="en-US" dirty="0"/>
           </a:p>
@@ -879,7 +881,7 @@
           <a:p>
             <a:fld id="{48A87A34-81AB-432B-8DAE-1953F412C126}" type="datetimeFigureOut">
               <a:rPr lang="en-US" dirty="0"/>
-              <a:t>4/12/16</a:t>
+              <a:t>4/29/16</a:t>
             </a:fld>
             <a:endParaRPr lang="en-US" dirty="0"/>
           </a:p>
@@ -1153,7 +1155,7 @@
           <a:p>
             <a:fld id="{48A87A34-81AB-432B-8DAE-1953F412C126}" type="datetimeFigureOut">
               <a:rPr lang="en-US" dirty="0"/>
-              <a:t>4/12/16</a:t>
+              <a:t>4/29/16</a:t>
             </a:fld>
             <a:endParaRPr lang="en-US" dirty="0"/>
           </a:p>
@@ -1416,7 +1418,7 @@
           <a:p>
             <a:fld id="{48A87A34-81AB-432B-8DAE-1953F412C126}" type="datetimeFigureOut">
               <a:rPr lang="en-US" dirty="0"/>
-              <a:t>4/12/16</a:t>
+              <a:t>4/29/16</a:t>
             </a:fld>
             <a:endParaRPr lang="en-US" dirty="0"/>
           </a:p>
@@ -1827,7 +1829,7 @@
           <a:p>
             <a:fld id="{48A87A34-81AB-432B-8DAE-1953F412C126}" type="datetimeFigureOut">
               <a:rPr lang="en-US" dirty="0"/>
-              <a:t>4/12/16</a:t>
+              <a:t>4/29/16</a:t>
             </a:fld>
             <a:endParaRPr lang="en-US" dirty="0"/>
           </a:p>
@@ -1971,7 +1973,7 @@
           <a:p>
             <a:fld id="{48A87A34-81AB-432B-8DAE-1953F412C126}" type="datetimeFigureOut">
               <a:rPr lang="en-US" dirty="0"/>
-              <a:t>4/12/16</a:t>
+              <a:t>4/29/16</a:t>
             </a:fld>
             <a:endParaRPr lang="en-US" dirty="0"/>
           </a:p>
@@ -2092,7 +2094,7 @@
           <a:p>
             <a:fld id="{48A87A34-81AB-432B-8DAE-1953F412C126}" type="datetimeFigureOut">
               <a:rPr lang="en-US" dirty="0"/>
-              <a:t>4/12/16</a:t>
+              <a:t>4/29/16</a:t>
             </a:fld>
             <a:endParaRPr lang="en-US" dirty="0"/>
           </a:p>
@@ -2338,7 +2340,7 @@
           <a:p>
             <a:fld id="{48A87A34-81AB-432B-8DAE-1953F412C126}" type="datetimeFigureOut">
               <a:rPr lang="en-US" dirty="0"/>
-              <a:t>4/12/16</a:t>
+              <a:t>4/29/16</a:t>
             </a:fld>
             <a:endParaRPr lang="en-US" dirty="0"/>
           </a:p>
@@ -2779,7 +2781,7 @@
             <a:fld id="{48A87A34-81AB-432B-8DAE-1953F412C126}" type="datetimeFigureOut">
               <a:rPr lang="en-US" dirty="0"/>
               <a:pPr/>
-              <a:t>4/12/16</a:t>
+              <a:t>4/29/16</a:t>
             </a:fld>
             <a:endParaRPr lang="en-US" dirty="0"/>
           </a:p>
@@ -3101,7 +3103,7 @@
             <a:fld id="{48A87A34-81AB-432B-8DAE-1953F412C126}" type="datetimeFigureOut">
               <a:rPr lang="en-US" dirty="0"/>
               <a:pPr/>
-              <a:t>4/12/16</a:t>
+              <a:t>4/29/16</a:t>
             </a:fld>
             <a:endParaRPr lang="en-US" dirty="0"/>
           </a:p>
@@ -3600,11 +3602,7 @@
           <a:p>
             <a:r>
               <a:rPr lang="en-US" dirty="0" smtClean="0"/>
-              <a:t>Analysis on </a:t>
-            </a:r>
-            <a:r>
-              <a:rPr lang="en-US" dirty="0" smtClean="0"/>
-              <a:t>BOX OFFICE mojo</a:t>
+              <a:t>Analysis on BOX OFFICE mojo</a:t>
             </a:r>
             <a:endParaRPr lang="en-US" dirty="0"/>
           </a:p>
@@ -3737,19 +3735,7 @@
           <a:p>
             <a:r>
               <a:rPr lang="en-US" dirty="0" smtClean="0"/>
-              <a:t>Captured  </a:t>
-            </a:r>
-            <a:r>
-              <a:rPr lang="en-US" dirty="0" smtClean="0"/>
-              <a:t>Movies spent </a:t>
-            </a:r>
-            <a:r>
-              <a:rPr lang="en-US" dirty="0" smtClean="0"/>
-              <a:t>on </a:t>
-            </a:r>
-            <a:r>
-              <a:rPr lang="en-US" dirty="0" smtClean="0"/>
-              <a:t>chart ( Top 20)</a:t>
+              <a:t>Captured  Movies spent on chart ( Top 20)</a:t>
             </a:r>
             <a:endParaRPr lang="en-US" dirty="0"/>
           </a:p>
@@ -3892,19 +3878,7 @@
           <a:p>
             <a:r>
               <a:rPr lang="en-US" smtClean="0"/>
-              <a:t>Captured  </a:t>
-            </a:r>
-            <a:r>
-              <a:rPr lang="en-US" smtClean="0"/>
-              <a:t>Movies spent </a:t>
-            </a:r>
-            <a:r>
-              <a:rPr lang="en-US" smtClean="0"/>
-              <a:t>on </a:t>
-            </a:r>
-            <a:r>
-              <a:rPr lang="en-US" smtClean="0"/>
-              <a:t>chart ( Top 20)</a:t>
+              <a:t>Captured  Movies spent on chart ( Top 20)</a:t>
             </a:r>
             <a:endParaRPr lang="en-US" dirty="0"/>
           </a:p>
@@ -4047,19 +4021,7 @@
           <a:p>
             <a:r>
               <a:rPr lang="en-US" smtClean="0"/>
-              <a:t>Captured  </a:t>
-            </a:r>
-            <a:r>
-              <a:rPr lang="en-US" smtClean="0"/>
-              <a:t>Movies spent </a:t>
-            </a:r>
-            <a:r>
-              <a:rPr lang="en-US" smtClean="0"/>
-              <a:t>on </a:t>
-            </a:r>
-            <a:r>
-              <a:rPr lang="en-US" smtClean="0"/>
-              <a:t>chart ( Top 20)</a:t>
+              <a:t>Captured  Movies spent on chart ( Top 20)</a:t>
             </a:r>
             <a:endParaRPr lang="en-US" dirty="0"/>
           </a:p>
@@ -4202,19 +4164,7 @@
           <a:p>
             <a:r>
               <a:rPr lang="en-US" smtClean="0"/>
-              <a:t>Captured  </a:t>
-            </a:r>
-            <a:r>
-              <a:rPr lang="en-US" smtClean="0"/>
-              <a:t>Movies spent </a:t>
-            </a:r>
-            <a:r>
-              <a:rPr lang="en-US" smtClean="0"/>
-              <a:t>on </a:t>
-            </a:r>
-            <a:r>
-              <a:rPr lang="en-US" smtClean="0"/>
-              <a:t>chart ( Top 20)</a:t>
+              <a:t>Captured  Movies spent on chart ( Top 20)</a:t>
             </a:r>
             <a:endParaRPr lang="en-US" dirty="0"/>
           </a:p>
@@ -4357,19 +4307,7 @@
           <a:p>
             <a:r>
               <a:rPr lang="en-US" smtClean="0"/>
-              <a:t>Captured  </a:t>
-            </a:r>
-            <a:r>
-              <a:rPr lang="en-US" smtClean="0"/>
-              <a:t>Movies spent </a:t>
-            </a:r>
-            <a:r>
-              <a:rPr lang="en-US" smtClean="0"/>
-              <a:t>on </a:t>
-            </a:r>
-            <a:r>
-              <a:rPr lang="en-US" smtClean="0"/>
-              <a:t>chart ( Top 20)</a:t>
+              <a:t>Captured  Movies spent on chart ( Top 20)</a:t>
             </a:r>
             <a:endParaRPr lang="en-US" dirty="0"/>
           </a:p>
@@ -4458,19 +4396,7 @@
           <a:p>
             <a:r>
               <a:rPr lang="en-US" dirty="0" smtClean="0"/>
-              <a:t>Compare unique </a:t>
-            </a:r>
-            <a:r>
-              <a:rPr lang="en-US" dirty="0" smtClean="0"/>
-              <a:t>Movies </a:t>
-            </a:r>
-            <a:r>
-              <a:rPr lang="en-US" dirty="0" smtClean="0"/>
-              <a:t>over </a:t>
-            </a:r>
-            <a:r>
-              <a:rPr lang="en-US" dirty="0" smtClean="0"/>
-              <a:t>time </a:t>
+              <a:t>Compare unique Movies over time </a:t>
             </a:r>
             <a:endParaRPr lang="en-US" dirty="0"/>
           </a:p>
@@ -4559,15 +4485,7 @@
           <a:p>
             <a:r>
               <a:rPr lang="en-US" dirty="0" smtClean="0"/>
-              <a:t>GINI INDEX FOR </a:t>
-            </a:r>
-            <a:r>
-              <a:rPr lang="en-US" dirty="0" smtClean="0"/>
-              <a:t>Movies with </a:t>
-            </a:r>
-            <a:r>
-              <a:rPr lang="en-US" dirty="0" smtClean="0"/>
-              <a:t>rolling average  for 1 year </a:t>
+              <a:t>GINI INDEX FOR Movies with rolling average  for 1 year </a:t>
             </a:r>
             <a:endParaRPr lang="en-US" dirty="0"/>
           </a:p>
@@ -4656,11 +4574,7 @@
           <a:p>
             <a:r>
               <a:rPr lang="en-US" dirty="0" smtClean="0"/>
-              <a:t>GINI INDEX FOR Songs with rolling average  for 1 year (Top </a:t>
-            </a:r>
-            <a:r>
-              <a:rPr lang="en-US" dirty="0" smtClean="0"/>
-              <a:t>20)</a:t>
+              <a:t>GINI INDEX FOR Songs with rolling average  for 1 year (Top 20)</a:t>
             </a:r>
             <a:endParaRPr lang="en-US" dirty="0"/>
           </a:p>
@@ -4715,6 +4629,170 @@
 </p:sld>
 </file>
 
+<file path=ppt/slides/slide18.xml><?xml version="1.0" encoding="utf-8"?>
+<p:sld xmlns:a="http://schemas.openxmlformats.org/drawingml/2006/main" xmlns:r="http://schemas.openxmlformats.org/officeDocument/2006/relationships" xmlns:p="http://schemas.openxmlformats.org/presentationml/2006/main">
+  <p:cSld>
+    <p:spTree>
+      <p:nvGrpSpPr>
+        <p:cNvPr id="1" name=""/>
+        <p:cNvGrpSpPr/>
+        <p:nvPr/>
+      </p:nvGrpSpPr>
+      <p:grpSpPr>
+        <a:xfrm>
+          <a:off x="0" y="0"/>
+          <a:ext cx="0" cy="0"/>
+          <a:chOff x="0" y="0"/>
+          <a:chExt cx="0" cy="0"/>
+        </a:xfrm>
+      </p:grpSpPr>
+      <p:sp>
+        <p:nvSpPr>
+          <p:cNvPr id="2" name="Title 1"/>
+          <p:cNvSpPr>
+            <a:spLocks noGrp="1"/>
+          </p:cNvSpPr>
+          <p:nvPr>
+            <p:ph type="title"/>
+          </p:nvPr>
+        </p:nvSpPr>
+        <p:spPr/>
+        <p:txBody>
+          <a:bodyPr/>
+          <a:lstStyle/>
+          <a:p>
+            <a:r>
+              <a:rPr lang="en-US" dirty="0" smtClean="0"/>
+              <a:t>Top AND Bottom 20% contribution on no of weeks</a:t>
+            </a:r>
+            <a:endParaRPr lang="en-US" dirty="0"/>
+          </a:p>
+        </p:txBody>
+      </p:sp>
+      <p:pic>
+        <p:nvPicPr>
+          <p:cNvPr id="4" name="Content Placeholder 3"/>
+          <p:cNvPicPr>
+            <a:picLocks noGrp="1" noChangeAspect="1"/>
+          </p:cNvPicPr>
+          <p:nvPr>
+            <p:ph idx="1"/>
+          </p:nvPr>
+        </p:nvPicPr>
+        <p:blipFill>
+          <a:blip r:embed="rId2">
+            <a:extLst>
+              <a:ext uri="{28A0092B-C50C-407E-A947-70E740481C1C}">
+                <a14:useLocalDpi xmlns:a14="http://schemas.microsoft.com/office/drawing/2010/main" val="0"/>
+              </a:ext>
+            </a:extLst>
+          </a:blip>
+          <a:stretch>
+            <a:fillRect/>
+          </a:stretch>
+        </p:blipFill>
+        <p:spPr>
+          <a:xfrm>
+            <a:off x="1585914" y="2016124"/>
+            <a:ext cx="9468940" cy="4056063"/>
+          </a:xfrm>
+        </p:spPr>
+      </p:pic>
+    </p:spTree>
+    <p:extLst>
+      <p:ext uri="{BB962C8B-B14F-4D97-AF65-F5344CB8AC3E}">
+        <p14:creationId xmlns:p14="http://schemas.microsoft.com/office/powerpoint/2010/main" val="377726802"/>
+      </p:ext>
+    </p:extLst>
+  </p:cSld>
+  <p:clrMapOvr>
+    <a:masterClrMapping/>
+  </p:clrMapOvr>
+</p:sld>
+</file>
+
+<file path=ppt/slides/slide19.xml><?xml version="1.0" encoding="utf-8"?>
+<p:sld xmlns:a="http://schemas.openxmlformats.org/drawingml/2006/main" xmlns:r="http://schemas.openxmlformats.org/officeDocument/2006/relationships" xmlns:p="http://schemas.openxmlformats.org/presentationml/2006/main">
+  <p:cSld>
+    <p:spTree>
+      <p:nvGrpSpPr>
+        <p:cNvPr id="1" name=""/>
+        <p:cNvGrpSpPr/>
+        <p:nvPr/>
+      </p:nvGrpSpPr>
+      <p:grpSpPr>
+        <a:xfrm>
+          <a:off x="0" y="0"/>
+          <a:ext cx="0" cy="0"/>
+          <a:chOff x="0" y="0"/>
+          <a:chExt cx="0" cy="0"/>
+        </a:xfrm>
+      </p:grpSpPr>
+      <p:sp>
+        <p:nvSpPr>
+          <p:cNvPr id="2" name="Title 1"/>
+          <p:cNvSpPr>
+            <a:spLocks noGrp="1"/>
+          </p:cNvSpPr>
+          <p:nvPr>
+            <p:ph type="title"/>
+          </p:nvPr>
+        </p:nvSpPr>
+        <p:spPr/>
+        <p:txBody>
+          <a:bodyPr/>
+          <a:lstStyle/>
+          <a:p>
+            <a:r>
+              <a:rPr lang="en-US" dirty="0" smtClean="0"/>
+              <a:t>Gini co-efficient for market share</a:t>
+            </a:r>
+            <a:endParaRPr lang="en-US" dirty="0"/>
+          </a:p>
+        </p:txBody>
+      </p:sp>
+      <p:pic>
+        <p:nvPicPr>
+          <p:cNvPr id="5" name="Content Placeholder 4"/>
+          <p:cNvPicPr>
+            <a:picLocks noGrp="1" noChangeAspect="1"/>
+          </p:cNvPicPr>
+          <p:nvPr>
+            <p:ph idx="1"/>
+          </p:nvPr>
+        </p:nvPicPr>
+        <p:blipFill>
+          <a:blip r:embed="rId2">
+            <a:extLst>
+              <a:ext uri="{28A0092B-C50C-407E-A947-70E740481C1C}">
+                <a14:useLocalDpi xmlns:a14="http://schemas.microsoft.com/office/drawing/2010/main" val="0"/>
+              </a:ext>
+            </a:extLst>
+          </a:blip>
+          <a:stretch>
+            <a:fillRect/>
+          </a:stretch>
+        </p:blipFill>
+        <p:spPr>
+          <a:xfrm>
+            <a:off x="1451580" y="2016125"/>
+            <a:ext cx="9603274" cy="4013200"/>
+          </a:xfrm>
+        </p:spPr>
+      </p:pic>
+    </p:spTree>
+    <p:extLst>
+      <p:ext uri="{BB962C8B-B14F-4D97-AF65-F5344CB8AC3E}">
+        <p14:creationId xmlns:p14="http://schemas.microsoft.com/office/powerpoint/2010/main" val="1737386829"/>
+      </p:ext>
+    </p:extLst>
+  </p:cSld>
+  <p:clrMapOvr>
+    <a:masterClrMapping/>
+  </p:clrMapOvr>
+</p:sld>
+</file>
+
 <file path=ppt/slides/slide2.xml><?xml version="1.0" encoding="utf-8"?>
 <p:sld xmlns:a="http://schemas.openxmlformats.org/drawingml/2006/main" xmlns:r="http://schemas.openxmlformats.org/officeDocument/2006/relationships" xmlns:p="http://schemas.openxmlformats.org/presentationml/2006/main">
   <p:cSld>
@@ -4795,15 +4873,7 @@
             </a:r>
             <a:r>
               <a:rPr lang="en-US" dirty="0" smtClean="0"/>
-              <a:t>from </a:t>
-            </a:r>
-            <a:r>
-              <a:rPr lang="en-US" dirty="0" smtClean="0"/>
-              <a:t>1982 to </a:t>
-            </a:r>
-            <a:r>
-              <a:rPr lang="en-US" dirty="0" smtClean="0"/>
-              <a:t>2015 )</a:t>
+              <a:t>from 1982 to 2015 )</a:t>
             </a:r>
             <a:endParaRPr lang="en-US" dirty="0"/>
           </a:p>
@@ -4838,7 +4908,6 @@
               <a:rPr lang="en-US" dirty="0" smtClean="0"/>
               <a:t>Top 20 Movies</a:t>
             </a:r>
-            <a:endParaRPr lang="en-US" dirty="0" smtClean="0"/>
           </a:p>
           <a:p>
             <a:pPr>
@@ -4979,19 +5048,7 @@
           <a:p>
             <a:r>
               <a:rPr lang="en-US" dirty="0" smtClean="0"/>
-              <a:t>Capture  </a:t>
-            </a:r>
-            <a:r>
-              <a:rPr lang="en-US" dirty="0" smtClean="0"/>
-              <a:t>Movies</a:t>
-            </a:r>
-            <a:r>
-              <a:rPr lang="en-US" dirty="0" smtClean="0"/>
-              <a:t> </a:t>
-            </a:r>
-            <a:r>
-              <a:rPr lang="en-US" dirty="0" smtClean="0"/>
-              <a:t>spent on chart</a:t>
+              <a:t>Capture  Movies spent on chart</a:t>
             </a:r>
             <a:endParaRPr lang="en-US" dirty="0"/>
           </a:p>
@@ -5110,15 +5167,7 @@
           <a:p>
             <a:r>
               <a:rPr lang="en-US" dirty="0" smtClean="0"/>
-              <a:t>Capture  </a:t>
-            </a:r>
-            <a:r>
-              <a:rPr lang="en-US" dirty="0" smtClean="0"/>
-              <a:t>Movies spent </a:t>
-            </a:r>
-            <a:r>
-              <a:rPr lang="en-US" dirty="0" smtClean="0"/>
-              <a:t>on chart</a:t>
+              <a:t>Capture  Movies spent on chart</a:t>
             </a:r>
             <a:endParaRPr lang="en-US" dirty="0"/>
           </a:p>
@@ -5237,15 +5286,7 @@
           <a:p>
             <a:r>
               <a:rPr lang="en-US" dirty="0" smtClean="0"/>
-              <a:t>Captured  </a:t>
-            </a:r>
-            <a:r>
-              <a:rPr lang="en-US" dirty="0" smtClean="0"/>
-              <a:t>Movies spent </a:t>
-            </a:r>
-            <a:r>
-              <a:rPr lang="en-US" dirty="0" smtClean="0"/>
-              <a:t>on chart</a:t>
+              <a:t>Captured  Movies spent on chart</a:t>
             </a:r>
             <a:endParaRPr lang="en-US" dirty="0"/>
           </a:p>
@@ -5483,15 +5524,7 @@
           <a:p>
             <a:r>
               <a:rPr lang="en-US" dirty="0" smtClean="0"/>
-              <a:t>Captured  </a:t>
-            </a:r>
-            <a:r>
-              <a:rPr lang="en-US" dirty="0" smtClean="0"/>
-              <a:t>Movies spent </a:t>
-            </a:r>
-            <a:r>
-              <a:rPr lang="en-US" dirty="0" smtClean="0"/>
-              <a:t>on chart</a:t>
+              <a:t>Captured  Movies spent on chart</a:t>
             </a:r>
             <a:endParaRPr lang="en-US" dirty="0"/>
           </a:p>
@@ -5634,15 +5667,7 @@
           <a:p>
             <a:r>
               <a:rPr lang="en-US" dirty="0" smtClean="0"/>
-              <a:t>Captured  </a:t>
-            </a:r>
-            <a:r>
-              <a:rPr lang="en-US" dirty="0" smtClean="0"/>
-              <a:t>Movies spent </a:t>
-            </a:r>
-            <a:r>
-              <a:rPr lang="en-US" dirty="0" smtClean="0"/>
-              <a:t>on chart</a:t>
+              <a:t>Captured  Movies spent on chart</a:t>
             </a:r>
             <a:endParaRPr lang="en-US" dirty="0"/>
           </a:p>
@@ -5785,19 +5810,7 @@
           <a:p>
             <a:r>
               <a:rPr lang="en-US" dirty="0" smtClean="0"/>
-              <a:t>Captured  </a:t>
-            </a:r>
-            <a:r>
-              <a:rPr lang="en-US" dirty="0" smtClean="0"/>
-              <a:t>Movies spent </a:t>
-            </a:r>
-            <a:r>
-              <a:rPr lang="en-US" dirty="0" smtClean="0"/>
-              <a:t>on </a:t>
-            </a:r>
-            <a:r>
-              <a:rPr lang="en-US" dirty="0" smtClean="0"/>
-              <a:t>chart (Top 20)</a:t>
+              <a:t>Captured  Movies spent on chart (Top 20)</a:t>
             </a:r>
             <a:endParaRPr lang="en-US" dirty="0"/>
           </a:p>
